--- a/documents/RationBalancing.pptx
+++ b/documents/RationBalancing.pptx
@@ -14,7 +14,7 @@
     <p:sldId id="260" r:id="rId5"/>
     <p:sldId id="258" r:id="rId6"/>
     <p:sldId id="261" r:id="rId7"/>
-    <p:sldId id="262" r:id="rId8"/>
+    <p:sldId id="266" r:id="rId8"/>
     <p:sldId id="263" r:id="rId9"/>
     <p:sldId id="264" r:id="rId10"/>
     <p:sldId id="265" r:id="rId11"/>
@@ -206,7 +206,7 @@
           <a:p>
             <a:fld id="{82EFA64D-C902-4E9C-9A5E-F0AA3FFD2550}" type="datetimeFigureOut">
               <a:rPr lang="en-US" smtClean="0"/>
-              <a:t>7/2/2019</a:t>
+              <a:t>7/3/2019</a:t>
             </a:fld>
             <a:endParaRPr lang="en-US"/>
           </a:p>
@@ -796,7 +796,7 @@
           <a:p>
             <a:fld id="{6AD6EE87-EBD5-4F12-A48A-63ACA297AC8F}" type="datetimeFigureOut">
               <a:rPr lang="en-US" dirty="0"/>
-              <a:t>7/2/2019</a:t>
+              <a:t>7/3/2019</a:t>
             </a:fld>
             <a:endParaRPr lang="en-US" dirty="0"/>
           </a:p>
@@ -1044,7 +1044,7 @@
           <a:p>
             <a:fld id="{4CD73815-2707-4475-8F1A-B873CB631BB4}" type="datetimeFigureOut">
               <a:rPr lang="en-US" dirty="0"/>
-              <a:t>7/2/2019</a:t>
+              <a:t>7/3/2019</a:t>
             </a:fld>
             <a:endParaRPr lang="en-US" dirty="0"/>
           </a:p>
@@ -1219,7 +1219,7 @@
           <a:p>
             <a:fld id="{2A4AFB99-0EAB-4182-AFF8-E214C82A68F6}" type="datetimeFigureOut">
               <a:rPr lang="en-US" dirty="0"/>
-              <a:t>7/2/2019</a:t>
+              <a:t>7/3/2019</a:t>
             </a:fld>
             <a:endParaRPr lang="en-US" dirty="0"/>
           </a:p>
@@ -1419,7 +1419,7 @@
           <a:p>
             <a:fld id="{A5D3794B-289A-4A80-97D7-111025398D45}" type="datetimeFigureOut">
               <a:rPr lang="en-US" dirty="0"/>
-              <a:t>7/2/2019</a:t>
+              <a:t>7/3/2019</a:t>
             </a:fld>
             <a:endParaRPr lang="en-US" dirty="0"/>
           </a:p>
@@ -1671,7 +1671,7 @@
           <a:p>
             <a:fld id="{5A61015F-7CC6-4D0A-9D87-873EA4C304CC}" type="datetimeFigureOut">
               <a:rPr lang="en-US" dirty="0"/>
-              <a:t>7/2/2019</a:t>
+              <a:t>7/3/2019</a:t>
             </a:fld>
             <a:endParaRPr lang="en-US" dirty="0"/>
           </a:p>
@@ -1986,7 +1986,7 @@
           <a:p>
             <a:fld id="{93C6A301-0538-44EC-B09D-202E1042A48B}" type="datetimeFigureOut">
               <a:rPr lang="en-US" dirty="0"/>
-              <a:t>7/2/2019</a:t>
+              <a:t>7/3/2019</a:t>
             </a:fld>
             <a:endParaRPr lang="en-US" dirty="0"/>
           </a:p>
@@ -2379,7 +2379,7 @@
           <a:p>
             <a:fld id="{D789574A-8875-45EF-8EA2-3CAA0F7ABC4C}" type="datetimeFigureOut">
               <a:rPr lang="en-US" dirty="0"/>
-              <a:t>7/2/2019</a:t>
+              <a:t>7/3/2019</a:t>
             </a:fld>
             <a:endParaRPr lang="en-US" dirty="0"/>
           </a:p>
@@ -2492,7 +2492,7 @@
           <a:p>
             <a:fld id="{67EF4D4C-5367-4C26-9E2B-D8088D7FCA81}" type="datetimeFigureOut">
               <a:rPr lang="en-US" dirty="0"/>
-              <a:t>7/2/2019</a:t>
+              <a:t>7/3/2019</a:t>
             </a:fld>
             <a:endParaRPr lang="en-US" dirty="0"/>
           </a:p>
@@ -2582,7 +2582,7 @@
           <a:p>
             <a:fld id="{56E91E96-98B0-4413-9547-46F3504108EF}" type="datetimeFigureOut">
               <a:rPr lang="en-US" dirty="0"/>
-              <a:t>7/2/2019</a:t>
+              <a:t>7/3/2019</a:t>
             </a:fld>
             <a:endParaRPr lang="en-US" dirty="0"/>
           </a:p>
@@ -2867,7 +2867,7 @@
           <a:p>
             <a:fld id="{05C68B11-C5A8-448C-8CE9-B1A273C79CFC}" type="datetimeFigureOut">
               <a:rPr lang="en-US" dirty="0"/>
-              <a:t>7/2/2019</a:t>
+              <a:t>7/3/2019</a:t>
             </a:fld>
             <a:endParaRPr lang="en-US" dirty="0"/>
           </a:p>
@@ -3142,7 +3142,7 @@
           <a:p>
             <a:fld id="{C7616CA0-919D-4A49-9C8A-62FDFB3A5183}" type="datetimeFigureOut">
               <a:rPr lang="en-US" dirty="0"/>
-              <a:t>7/2/2019</a:t>
+              <a:t>7/3/2019</a:t>
             </a:fld>
             <a:endParaRPr lang="en-US" dirty="0"/>
           </a:p>
@@ -3388,7 +3388,7 @@
             <a:fld id="{90298CD5-6C1E-4009-B41F-6DF62E31D3BE}" type="datetimeFigureOut">
               <a:rPr lang="en-US" dirty="0"/>
               <a:pPr/>
-              <a:t>7/2/2019</a:t>
+              <a:t>7/3/2019</a:t>
             </a:fld>
             <a:endParaRPr lang="en-US" dirty="0"/>
           </a:p>
@@ -3953,7 +3953,35 @@
                 <a:latin typeface="Times New Roman" panose="02020603050405020304" pitchFamily="18" charset="0"/>
                 <a:cs typeface="Times New Roman" panose="02020603050405020304" pitchFamily="18" charset="0"/>
               </a:rPr>
-              <a:t>Lakshmi Seshu Kalvakuri</a:t>
+              <a:t>Lakshmi </a:t>
+            </a:r>
+            <a:r>
+              <a:rPr lang="en-US" b="1" dirty="0" err="1">
+                <a:latin typeface="Times New Roman" panose="02020603050405020304" pitchFamily="18" charset="0"/>
+                <a:cs typeface="Times New Roman" panose="02020603050405020304" pitchFamily="18" charset="0"/>
+              </a:rPr>
+              <a:t>Seshu</a:t>
+            </a:r>
+            <a:r>
+              <a:rPr lang="en-US" b="1" dirty="0">
+                <a:latin typeface="Times New Roman" panose="02020603050405020304" pitchFamily="18" charset="0"/>
+                <a:cs typeface="Times New Roman" panose="02020603050405020304" pitchFamily="18" charset="0"/>
+              </a:rPr>
+              <a:t> </a:t>
+            </a:r>
+            <a:r>
+              <a:rPr lang="en-US" b="1" dirty="0" err="1">
+                <a:latin typeface="Times New Roman" panose="02020603050405020304" pitchFamily="18" charset="0"/>
+                <a:cs typeface="Times New Roman" panose="02020603050405020304" pitchFamily="18" charset="0"/>
+              </a:rPr>
+              <a:t>Kalvakuri</a:t>
+            </a:r>
+            <a:r>
+              <a:rPr lang="en-US" b="1" dirty="0">
+                <a:latin typeface="Times New Roman" panose="02020603050405020304" pitchFamily="18" charset="0"/>
+                <a:cs typeface="Times New Roman" panose="02020603050405020304" pitchFamily="18" charset="0"/>
+              </a:rPr>
+              <a:t> </a:t>
             </a:r>
           </a:p>
           <a:p>
@@ -4031,6 +4059,17 @@
               </a:rPr>
               <a:t> </a:t>
             </a:r>
+            <a:r>
+              <a:rPr lang="en-US" b="1" dirty="0" err="1">
+                <a:latin typeface="Times New Roman" panose="02020603050405020304" pitchFamily="18" charset="0"/>
+                <a:cs typeface="Times New Roman" panose="02020603050405020304" pitchFamily="18" charset="0"/>
+              </a:rPr>
+              <a:t>Injamuri</a:t>
+            </a:r>
+            <a:endParaRPr lang="en-US" b="1" dirty="0">
+              <a:latin typeface="Times New Roman" panose="02020603050405020304" pitchFamily="18" charset="0"/>
+              <a:cs typeface="Times New Roman" panose="02020603050405020304" pitchFamily="18" charset="0"/>
+            </a:endParaRPr>
           </a:p>
           <a:p>
             <a:r>
@@ -4038,7 +4077,7 @@
                 <a:latin typeface="Times New Roman" panose="02020603050405020304" pitchFamily="18" charset="0"/>
                 <a:cs typeface="Times New Roman" panose="02020603050405020304" pitchFamily="18" charset="0"/>
               </a:rPr>
-              <a:t>Sanjana</a:t>
+              <a:t>Sanjana Tummala</a:t>
             </a:r>
           </a:p>
         </p:txBody>
@@ -4212,7 +4251,7 @@
             </a:pPr>
             <a:r>
               <a:rPr lang="en-US" sz="2800" dirty="0"/>
-              <a:t>Purpose and scope of application</a:t>
+              <a:t>Purpose of application</a:t>
             </a:r>
           </a:p>
           <a:p>
@@ -4223,16 +4262,6 @@
             <a:r>
               <a:rPr lang="en-US" sz="2800" dirty="0"/>
               <a:t>User requirements</a:t>
-            </a:r>
-          </a:p>
-          <a:p>
-            <a:pPr marL="457200" indent="-457200">
-              <a:buFont typeface="+mj-lt"/>
-              <a:buAutoNum type="arabicPeriod"/>
-            </a:pPr>
-            <a:r>
-              <a:rPr lang="en-US" sz="2800" dirty="0"/>
-              <a:t>Calculation </a:t>
             </a:r>
           </a:p>
           <a:p>
@@ -4498,7 +4527,7 @@
               <a:rPr lang="en-US" sz="4800" dirty="0">
                 <a:cs typeface="Times New Roman" panose="02020603050405020304" pitchFamily="18" charset="0"/>
               </a:rPr>
-              <a:t>scope</a:t>
+              <a:t>PURPOSE</a:t>
             </a:r>
           </a:p>
         </p:txBody>
@@ -4540,7 +4569,7 @@
                 <a:latin typeface="Times New Roman" panose="02020603050405020304" pitchFamily="18" charset="0"/>
                 <a:cs typeface="Times New Roman" panose="02020603050405020304" pitchFamily="18" charset="0"/>
               </a:rPr>
-              <a:t> The scope of the project is to create an web based application which helps the end user calculate the amount of ration needed for cattle by considering the inputs like cattle weight, feed stuffs, and growth rate. It is used in calculating the amount of ingredients needed for a day.</a:t>
+              <a:t> The purpose of the project is to create a web-based application which helps the end user to calculate the amount of ration needed for cattle by considering the inputs such as cattle weight, feed stuffs, and growth rate. It is used in calculating the amount of ingredients needed for the cattle.</a:t>
             </a:r>
           </a:p>
         </p:txBody>
@@ -4635,7 +4664,7 @@
                 <a:latin typeface="Times New Roman" panose="02020603050405020304" pitchFamily="18" charset="0"/>
                 <a:cs typeface="Times New Roman" panose="02020603050405020304" pitchFamily="18" charset="0"/>
               </a:rPr>
-              <a:t> The main purpose of the application is to calculate the amount of ration needed for cattle by considering the inputs like cattle weight, feed stuffs, and gain. </a:t>
+              <a:t> Select the weight of the cattle and growth rate.</a:t>
             </a:r>
           </a:p>
           <a:p>
@@ -4648,7 +4677,32 @@
                 <a:latin typeface="Times New Roman" panose="02020603050405020304" pitchFamily="18" charset="0"/>
                 <a:cs typeface="Times New Roman" panose="02020603050405020304" pitchFamily="18" charset="0"/>
               </a:rPr>
-              <a:t>  This application helps the end user to track the total amount of ingredients needed to feed the cattle per day along with the nutrition’s consumed.</a:t>
+              <a:t> Select the Ingredients, and must give input for cost, but optional     </a:t>
+            </a:r>
+          </a:p>
+          <a:p>
+            <a:pPr marL="0" indent="0">
+              <a:buNone/>
+            </a:pPr>
+            <a:r>
+              <a:rPr lang="en-US" sz="2800" dirty="0">
+                <a:latin typeface="Times New Roman" panose="02020603050405020304" pitchFamily="18" charset="0"/>
+                <a:cs typeface="Times New Roman" panose="02020603050405020304" pitchFamily="18" charset="0"/>
+              </a:rPr>
+              <a:t>     for quantity.</a:t>
+            </a:r>
+          </a:p>
+          <a:p>
+            <a:pPr>
+              <a:buFont typeface="Wingdings" panose="05000000000000000000" pitchFamily="2" charset="2"/>
+              <a:buChar char="v"/>
+            </a:pPr>
+            <a:r>
+              <a:rPr lang="en-US" sz="2800" dirty="0">
+                <a:latin typeface="Times New Roman" panose="02020603050405020304" pitchFamily="18" charset="0"/>
+                <a:cs typeface="Times New Roman" panose="02020603050405020304" pitchFamily="18" charset="0"/>
+              </a:rPr>
+              <a:t> The Ration will be generated based on the cost and nutrients.</a:t>
             </a:r>
           </a:p>
           <a:p>
@@ -4760,7 +4814,7 @@
         <p:spPr/>
         <p:txBody>
           <a:bodyPr>
-            <a:normAutofit/>
+            <a:normAutofit lnSpcReduction="10000"/>
           </a:bodyPr>
           <a:lstStyle/>
           <a:p>
@@ -4778,7 +4832,7 @@
                 <a:latin typeface="Times New Roman" panose="02020603050405020304" pitchFamily="18" charset="0"/>
                 <a:cs typeface="Times New Roman" panose="02020603050405020304" pitchFamily="18" charset="0"/>
               </a:rPr>
-              <a:t>We have developed 2 types of prototypes:</a:t>
+              <a:t>We have developed 2 prototypes:</a:t>
             </a:r>
           </a:p>
           <a:p>
@@ -4791,7 +4845,7 @@
                 <a:latin typeface="Times New Roman" panose="02020603050405020304" pitchFamily="18" charset="0"/>
                 <a:cs typeface="Times New Roman" panose="02020603050405020304" pitchFamily="18" charset="0"/>
               </a:rPr>
-              <a:t> Paper- based prototype</a:t>
+              <a:t> Paper- based</a:t>
             </a:r>
           </a:p>
           <a:p>
@@ -4804,8 +4858,44 @@
                 <a:latin typeface="Times New Roman" panose="02020603050405020304" pitchFamily="18" charset="0"/>
                 <a:cs typeface="Times New Roman" panose="02020603050405020304" pitchFamily="18" charset="0"/>
               </a:rPr>
-              <a:t> Mock-up</a:t>
-            </a:r>
+              <a:t> Computer – based</a:t>
+            </a:r>
+          </a:p>
+          <a:p>
+            <a:pPr lvl="1">
+              <a:buFont typeface="Wingdings" panose="05000000000000000000" pitchFamily="2" charset="2"/>
+              <a:buChar char="v"/>
+            </a:pPr>
+            <a:endParaRPr lang="en-US" sz="2800" dirty="0">
+              <a:latin typeface="Times New Roman" panose="02020603050405020304" pitchFamily="18" charset="0"/>
+              <a:cs typeface="Times New Roman" panose="02020603050405020304" pitchFamily="18" charset="0"/>
+            </a:endParaRPr>
+          </a:p>
+          <a:p>
+            <a:pPr lvl="1">
+              <a:buFont typeface="Wingdings" panose="05000000000000000000" pitchFamily="2" charset="2"/>
+              <a:buChar char="v"/>
+            </a:pPr>
+            <a:endParaRPr lang="en-US" sz="2800" dirty="0">
+              <a:latin typeface="Times New Roman" panose="02020603050405020304" pitchFamily="18" charset="0"/>
+              <a:cs typeface="Times New Roman" panose="02020603050405020304" pitchFamily="18" charset="0"/>
+            </a:endParaRPr>
+          </a:p>
+          <a:p>
+            <a:pPr lvl="1">
+              <a:buFont typeface="Wingdings" panose="05000000000000000000" pitchFamily="2" charset="2"/>
+              <a:buChar char="v"/>
+            </a:pPr>
+            <a:r>
+              <a:rPr lang="en-US" sz="2800" dirty="0">
+                <a:hlinkClick r:id="rId2"/>
+              </a:rPr>
+              <a:t>https://en.wikipedia.org/wiki/Prototype</a:t>
+            </a:r>
+            <a:endParaRPr lang="en-US" sz="2800" dirty="0">
+              <a:latin typeface="Times New Roman" panose="02020603050405020304" pitchFamily="18" charset="0"/>
+              <a:cs typeface="Times New Roman" panose="02020603050405020304" pitchFamily="18" charset="0"/>
+            </a:endParaRPr>
           </a:p>
           <a:p>
             <a:pPr marL="128016" lvl="1" indent="0">
@@ -4862,7 +4952,7 @@
           <p:cNvPr id="2" name="Title 1">
             <a:extLst>
               <a:ext uri="{FF2B5EF4-FFF2-40B4-BE49-F238E27FC236}">
-                <a16:creationId xmlns:a16="http://schemas.microsoft.com/office/drawing/2014/main" id="{F74B9965-5637-46A8-9946-F2F2FAB95B2A}"/>
+                <a16:creationId xmlns:a16="http://schemas.microsoft.com/office/drawing/2014/main" id="{0A484F63-4395-47C0-9B66-B54B2DFE153B}"/>
               </a:ext>
             </a:extLst>
           </p:cNvPr>
@@ -4880,7 +4970,7 @@
           <a:p>
             <a:r>
               <a:rPr lang="en-US" dirty="0"/>
-              <a:t>Calculation</a:t>
+              <a:t>Demo</a:t>
             </a:r>
           </a:p>
         </p:txBody>
@@ -4890,7 +4980,7 @@
           <p:cNvPr id="3" name="Content Placeholder 2">
             <a:extLst>
               <a:ext uri="{FF2B5EF4-FFF2-40B4-BE49-F238E27FC236}">
-                <a16:creationId xmlns:a16="http://schemas.microsoft.com/office/drawing/2014/main" id="{1E6E0428-039F-4DBE-893C-ABADF5BA5ACC}"/>
+                <a16:creationId xmlns:a16="http://schemas.microsoft.com/office/drawing/2014/main" id="{953C01BF-BBE6-4473-84F3-E6FD5EB5B594}"/>
               </a:ext>
             </a:extLst>
           </p:cNvPr>
@@ -4906,6 +4996,39 @@
           <a:bodyPr/>
           <a:lstStyle/>
           <a:p>
+            <a:r>
+              <a:rPr lang="en-US" dirty="0"/>
+              <a:t>Deployed Link:</a:t>
+            </a:r>
+          </a:p>
+          <a:p>
+            <a:r>
+              <a:rPr lang="en-US" dirty="0">
+                <a:hlinkClick r:id="rId2"/>
+              </a:rPr>
+              <a:t>https://rationbalancing.herokuapp.com/rationweights</a:t>
+            </a:r>
+            <a:endParaRPr lang="en-US" dirty="0"/>
+          </a:p>
+          <a:p>
+            <a:endParaRPr lang="en-US" dirty="0"/>
+          </a:p>
+          <a:p>
+            <a:r>
+              <a:rPr lang="en-US" dirty="0"/>
+              <a:t>GitHub Link:</a:t>
+            </a:r>
+          </a:p>
+          <a:p>
+            <a:r>
+              <a:rPr lang="en-US" dirty="0">
+                <a:hlinkClick r:id="rId3"/>
+              </a:rPr>
+              <a:t>https://github.com/Satyavrath/rationbalancing</a:t>
+            </a:r>
+            <a:endParaRPr lang="en-US" dirty="0"/>
+          </a:p>
+          <a:p>
             <a:endParaRPr lang="en-US" dirty="0"/>
           </a:p>
         </p:txBody>
@@ -4913,7 +5036,7 @@
     </p:spTree>
     <p:extLst>
       <p:ext uri="{BB962C8B-B14F-4D97-AF65-F5344CB8AC3E}">
-        <p14:creationId xmlns:p14="http://schemas.microsoft.com/office/powerpoint/2010/main" val="2258215975"/>
+        <p14:creationId xmlns:p14="http://schemas.microsoft.com/office/powerpoint/2010/main" val="281557736"/>
       </p:ext>
     </p:extLst>
   </p:cSld>
@@ -5000,7 +5123,7 @@
                 <a:latin typeface="Times New Roman" panose="02020603050405020304" pitchFamily="18" charset="0"/>
                 <a:cs typeface="Times New Roman" panose="02020603050405020304" pitchFamily="18" charset="0"/>
               </a:rPr>
-              <a:t> Defined the project scope and purpose accurately.</a:t>
+              <a:t> Defined the project purpose accurately.</a:t>
             </a:r>
           </a:p>
           <a:p>
@@ -5026,7 +5149,7 @@
                 <a:latin typeface="Times New Roman" panose="02020603050405020304" pitchFamily="18" charset="0"/>
                 <a:cs typeface="Times New Roman" panose="02020603050405020304" pitchFamily="18" charset="0"/>
               </a:rPr>
-              <a:t> Developed mock-up prototype successfully </a:t>
+              <a:t> Developed computer-based prototype successfully </a:t>
             </a:r>
           </a:p>
           <a:p>
